--- a/Real Estate Property Management Platform.pptx
+++ b/Real Estate Property Management Platform.pptx
@@ -126,7 +126,7 @@
   <pc:docChgLst>
     <pc:chgData name="Olivier Roberge" userId="ad06ea69c16b2ff0" providerId="LiveId" clId="{0BD3BAEC-413A-480B-8015-BB9DBDB90AE4}"/>
     <pc:docChg chg="undo custSel modSld">
-      <pc:chgData name="Olivier Roberge" userId="ad06ea69c16b2ff0" providerId="LiveId" clId="{0BD3BAEC-413A-480B-8015-BB9DBDB90AE4}" dt="2024-11-27T05:51:57.400" v="2" actId="20577"/>
+      <pc:chgData name="Olivier Roberge" userId="ad06ea69c16b2ff0" providerId="LiveId" clId="{0BD3BAEC-413A-480B-8015-BB9DBDB90AE4}" dt="2024-11-28T16:24:13.827" v="9" actId="1076"/>
       <pc:docMkLst>
         <pc:docMk/>
       </pc:docMkLst>
@@ -157,6 +157,44 @@
             <pc:docMk/>
             <pc:sldMk cId="0" sldId="263"/>
             <ac:spMk id="7" creationId="{00000000-0000-0000-0000-000000000000}"/>
+          </ac:spMkLst>
+        </pc:spChg>
+      </pc:sldChg>
+      <pc:sldChg chg="modSp mod">
+        <pc:chgData name="Olivier Roberge" userId="ad06ea69c16b2ff0" providerId="LiveId" clId="{0BD3BAEC-413A-480B-8015-BB9DBDB90AE4}" dt="2024-11-28T16:24:13.353" v="8" actId="1076"/>
+        <pc:sldMkLst>
+          <pc:docMk/>
+          <pc:sldMk cId="0" sldId="264"/>
+        </pc:sldMkLst>
+        <pc:spChg chg="mod">
+          <ac:chgData name="Olivier Roberge" userId="ad06ea69c16b2ff0" providerId="LiveId" clId="{0BD3BAEC-413A-480B-8015-BB9DBDB90AE4}" dt="2024-11-28T16:24:13.353" v="8" actId="1076"/>
+          <ac:spMkLst>
+            <pc:docMk/>
+            <pc:sldMk cId="0" sldId="264"/>
+            <ac:spMk id="7" creationId="{00000000-0000-0000-0000-000000000000}"/>
+          </ac:spMkLst>
+        </pc:spChg>
+      </pc:sldChg>
+      <pc:sldChg chg="modSp mod">
+        <pc:chgData name="Olivier Roberge" userId="ad06ea69c16b2ff0" providerId="LiveId" clId="{0BD3BAEC-413A-480B-8015-BB9DBDB90AE4}" dt="2024-11-28T16:24:13.827" v="9" actId="1076"/>
+        <pc:sldMkLst>
+          <pc:docMk/>
+          <pc:sldMk cId="0" sldId="265"/>
+        </pc:sldMkLst>
+        <pc:spChg chg="mod">
+          <ac:chgData name="Olivier Roberge" userId="ad06ea69c16b2ff0" providerId="LiveId" clId="{0BD3BAEC-413A-480B-8015-BB9DBDB90AE4}" dt="2024-11-28T16:24:13.827" v="9" actId="1076"/>
+          <ac:spMkLst>
+            <pc:docMk/>
+            <pc:sldMk cId="0" sldId="265"/>
+            <ac:spMk id="8" creationId="{00000000-0000-0000-0000-000000000000}"/>
+          </ac:spMkLst>
+        </pc:spChg>
+        <pc:spChg chg="mod">
+          <ac:chgData name="Olivier Roberge" userId="ad06ea69c16b2ff0" providerId="LiveId" clId="{0BD3BAEC-413A-480B-8015-BB9DBDB90AE4}" dt="2024-11-28T16:23:53.739" v="4" actId="255"/>
+          <ac:spMkLst>
+            <pc:docMk/>
+            <pc:sldMk cId="0" sldId="265"/>
+            <ac:spMk id="9" creationId="{00000000-0000-0000-0000-000000000000}"/>
           </ac:spMkLst>
         </pc:spChg>
       </pc:sldChg>
@@ -1904,8 +1942,8 @@
         </p:nvSpPr>
         <p:spPr>
           <a:xfrm>
-            <a:off x="5193649" y="2192369"/>
-            <a:ext cx="2810589" cy="1431512"/>
+            <a:off x="4300205" y="2192369"/>
+            <a:ext cx="3704033" cy="1431512"/>
           </a:xfrm>
           <a:prstGeom prst="rect">
             <a:avLst/>
@@ -1921,7 +1959,7 @@
               <a:buNone/>
             </a:pPr>
             <a:r>
-              <a:rPr lang="en-US" sz="982" dirty="0">
+              <a:rPr lang="en-US" sz="1600" dirty="0">
                 <a:solidFill>
                   <a:srgbClr val="000000"/>
                 </a:solidFill>
@@ -1931,7 +1969,7 @@
               </a:rPr>
               <a:t>This platform will simplify operations, empower landlords with AI-driven insights, and provide tenants with a seamless experience, setting a new standard for property management.</a:t>
             </a:r>
-            <a:endParaRPr lang="en-US" sz="982" dirty="0"/>
+            <a:endParaRPr lang="en-US" sz="1600" dirty="0"/>
           </a:p>
         </p:txBody>
       </p:sp>
@@ -1960,7 +1998,7 @@
               <a:buNone/>
             </a:pPr>
             <a:r>
-              <a:rPr lang="en-US" sz="983" dirty="0">
+              <a:rPr lang="en-US" dirty="0">
                 <a:solidFill>
                   <a:srgbClr val="000000"/>
                 </a:solidFill>
@@ -1970,7 +2008,7 @@
               </a:rPr>
               <a:t>How will this platform transform property management?</a:t>
             </a:r>
-            <a:endParaRPr lang="en-US" sz="983" dirty="0"/>
+            <a:endParaRPr lang="en-US" dirty="0"/>
           </a:p>
         </p:txBody>
       </p:sp>
